--- a/Föreläsningar/F07 - Sista.pptx
+++ b/Föreläsningar/F07 - Sista.pptx
@@ -204,7 +204,7 @@
             <a:fld id="{D591C14E-198E-48A7-ABEC-7FB80E868E55}" type="datetimeFigureOut">
               <a:rPr lang="sv-SE" smtClean="0"/>
               <a:pPr/>
-              <a:t>2013-10-23</a:t>
+              <a:t>2014-10-14</a:t>
             </a:fld>
             <a:endParaRPr lang="sv-SE"/>
           </a:p>
@@ -371,7 +371,7 @@
             <a:fld id="{188BB863-C913-48B5-BD1A-638D82A0C76B}" type="datetimeFigureOut">
               <a:rPr lang="sv-SE" smtClean="0"/>
               <a:pPr/>
-              <a:t>2013-10-23</a:t>
+              <a:t>2014-10-14</a:t>
             </a:fld>
             <a:endParaRPr lang="sv-SE"/>
           </a:p>
@@ -7293,15 +7293,7 @@
             </a:r>
             <a:r>
               <a:rPr lang="sv-SE" b="1" dirty="0" err="1" smtClean="0"/>
-              <a:t>It</a:t>
-            </a:r>
-            <a:r>
-              <a:rPr lang="sv-SE" b="1" dirty="0" err="1" smtClean="0"/>
-              <a:t>’</a:t>
-            </a:r>
-            <a:r>
-              <a:rPr lang="sv-SE" b="1" dirty="0" err="1" smtClean="0"/>
-              <a:t>s</a:t>
+              <a:t>It’s</a:t>
             </a:r>
             <a:r>
               <a:rPr lang="sv-SE" b="1" dirty="0" smtClean="0"/>
@@ -7337,13 +7329,13 @@
               <a:rPr lang="sv-SE" sz="2800" b="1" dirty="0" smtClean="0">
                 <a:latin typeface="Minya Nouvelle" pitchFamily="2" charset="0"/>
               </a:rPr>
-              <a:t>Föreläsning </a:t>
+              <a:t>Föreläsning 7, </a:t>
             </a:r>
             <a:r>
               <a:rPr lang="sv-SE" sz="2800" b="1" dirty="0" smtClean="0">
                 <a:latin typeface="Minya Nouvelle" pitchFamily="2" charset="0"/>
               </a:rPr>
-              <a:t>7, HT2013</a:t>
+              <a:t>HT2014</a:t>
             </a:r>
             <a:endParaRPr lang="sv-SE" sz="2800" b="1" dirty="0" smtClean="0">
               <a:latin typeface="Minya Nouvelle" pitchFamily="2" charset="0"/>
@@ -7356,53 +7348,9 @@
               </a:rPr>
               <a:t>Sammanfattning</a:t>
             </a:r>
-            <a:endParaRPr lang="sv-SE" sz="2800" dirty="0" smtClean="0">
-              <a:latin typeface="Minya Nouvelle" pitchFamily="2" charset="0"/>
-            </a:endParaRPr>
           </a:p>
         </p:txBody>
       </p:sp>
-      <p:pic>
-        <p:nvPicPr>
-          <p:cNvPr id="115714" name="Picture 2" descr="C:\Dropbox\Avatar\Avatar228x228.jpg"/>
-          <p:cNvPicPr>
-            <a:picLocks noChangeAspect="1" noChangeArrowheads="1"/>
-          </p:cNvPicPr>
-          <p:nvPr/>
-        </p:nvPicPr>
-        <p:blipFill>
-          <a:blip r:embed="rId2">
-            <a:extLst>
-              <a:ext uri="{28A0092B-C50C-407E-A947-70E740481C1C}">
-                <a14:useLocalDpi xmlns:a14="http://schemas.microsoft.com/office/drawing/2010/main" val="0"/>
-              </a:ext>
-            </a:extLst>
-          </a:blip>
-          <a:srcRect/>
-          <a:stretch>
-            <a:fillRect/>
-          </a:stretch>
-        </p:blipFill>
-        <p:spPr bwMode="auto">
-          <a:xfrm>
-            <a:off x="6156176" y="2785492"/>
-            <a:ext cx="2088232" cy="2088232"/>
-          </a:xfrm>
-          <a:prstGeom prst="rect">
-            <a:avLst/>
-          </a:prstGeom>
-          <a:noFill/>
-          <a:extLst>
-            <a:ext uri="{909E8E84-426E-40dd-AFC4-6F175D3DCCD1}">
-              <a14:hiddenFill xmlns:a14="http://schemas.microsoft.com/office/drawing/2010/main">
-                <a:solidFill>
-                  <a:srgbClr val="FFFFFF"/>
-                </a:solidFill>
-              </a14:hiddenFill>
-            </a:ext>
-          </a:extLst>
-        </p:spPr>
-      </p:pic>
       <p:sp>
         <p:nvSpPr>
           <p:cNvPr id="4" name="TextBox 3"/>
@@ -7435,6 +7383,36 @@
           </a:p>
         </p:txBody>
       </p:sp>
+      <p:pic>
+        <p:nvPicPr>
+          <p:cNvPr id="6" name="Picture 5" descr="square.jpg"/>
+          <p:cNvPicPr>
+            <a:picLocks noChangeAspect="1"/>
+          </p:cNvPicPr>
+          <p:nvPr/>
+        </p:nvPicPr>
+        <p:blipFill>
+          <a:blip r:embed="rId2" cstate="print">
+            <a:extLst>
+              <a:ext uri="{28A0092B-C50C-407E-A947-70E740481C1C}">
+                <a14:useLocalDpi xmlns:a14="http://schemas.microsoft.com/office/drawing/2010/main" val="0"/>
+              </a:ext>
+            </a:extLst>
+          </a:blip>
+          <a:stretch>
+            <a:fillRect/>
+          </a:stretch>
+        </p:blipFill>
+        <p:spPr>
+          <a:xfrm>
+            <a:off x="6075837" y="2785492"/>
+            <a:ext cx="2096563" cy="2096563"/>
+          </a:xfrm>
+          <a:prstGeom prst="rect">
+            <a:avLst/>
+          </a:prstGeom>
+        </p:spPr>
+      </p:pic>
     </p:spTree>
     <p:extLst>
       <p:ext uri="{BB962C8B-B14F-4D97-AF65-F5344CB8AC3E}">
@@ -7631,7 +7609,7 @@
           <a:p>
             <a:r>
               <a:rPr lang="en-US" dirty="0" err="1" smtClean="0"/>
-              <a:t>Projektet</a:t>
+              <a:t>Slutpresentationen</a:t>
             </a:r>
             <a:endParaRPr lang="en-US" dirty="0"/>
           </a:p>
@@ -7776,7 +7754,15 @@
           <a:p>
             <a:r>
               <a:rPr lang="en-US" dirty="0" err="1" smtClean="0"/>
-              <a:t>Projektet</a:t>
+              <a:t>Samarbeta</a:t>
+            </a:r>
+            <a:r>
+              <a:rPr lang="en-US" dirty="0" smtClean="0"/>
+              <a:t> med </a:t>
+            </a:r>
+            <a:r>
+              <a:rPr lang="en-US" dirty="0" err="1" smtClean="0"/>
+              <a:t>Git</a:t>
             </a:r>
             <a:endParaRPr lang="en-US" dirty="0"/>
           </a:p>
@@ -8025,9 +8011,6 @@
               </a:rPr>
               <a:t>clone / pull</a:t>
             </a:r>
-            <a:endParaRPr lang="en-US" dirty="0" smtClean="0">
-              <a:latin typeface="Minya Nouvelle" pitchFamily="2" charset="0"/>
-            </a:endParaRPr>
           </a:p>
         </p:txBody>
       </p:sp>
@@ -8096,9 +8079,6 @@
               </a:rPr>
               <a:t>push</a:t>
             </a:r>
-            <a:endParaRPr lang="en-US" dirty="0" smtClean="0">
-              <a:latin typeface="Minya Nouvelle" pitchFamily="2" charset="0"/>
-            </a:endParaRPr>
           </a:p>
         </p:txBody>
       </p:sp>
@@ -8178,9 +8158,6 @@
               </a:rPr>
               <a:t>commit</a:t>
             </a:r>
-            <a:endParaRPr lang="en-US" dirty="0" smtClean="0">
-              <a:latin typeface="Minya Nouvelle" pitchFamily="2" charset="0"/>
-            </a:endParaRPr>
           </a:p>
         </p:txBody>
       </p:sp>
@@ -8561,7 +8538,15 @@
           <a:p>
             <a:r>
               <a:rPr lang="en-US" dirty="0" err="1" smtClean="0"/>
-              <a:t>Projektet</a:t>
+              <a:t>Samarbeta</a:t>
+            </a:r>
+            <a:r>
+              <a:rPr lang="en-US" dirty="0" smtClean="0"/>
+              <a:t> med </a:t>
+            </a:r>
+            <a:r>
+              <a:rPr lang="en-US" dirty="0" err="1" smtClean="0"/>
+              <a:t>Git</a:t>
             </a:r>
             <a:endParaRPr lang="en-US" dirty="0"/>
           </a:p>
@@ -8881,9 +8866,6 @@
               </a:rPr>
               <a:t>clone / pull</a:t>
             </a:r>
-            <a:endParaRPr lang="en-US" dirty="0" smtClean="0">
-              <a:latin typeface="Minya Nouvelle" pitchFamily="2" charset="0"/>
-            </a:endParaRPr>
           </a:p>
         </p:txBody>
       </p:sp>
@@ -8952,9 +8934,6 @@
               </a:rPr>
               <a:t>push</a:t>
             </a:r>
-            <a:endParaRPr lang="en-US" dirty="0" smtClean="0">
-              <a:latin typeface="Minya Nouvelle" pitchFamily="2" charset="0"/>
-            </a:endParaRPr>
           </a:p>
         </p:txBody>
       </p:sp>
@@ -9034,9 +9013,6 @@
               </a:rPr>
               <a:t>commit</a:t>
             </a:r>
-            <a:endParaRPr lang="en-US" dirty="0" smtClean="0">
-              <a:latin typeface="Minya Nouvelle" pitchFamily="2" charset="0"/>
-            </a:endParaRPr>
           </a:p>
         </p:txBody>
       </p:sp>
@@ -9185,9 +9161,6 @@
               </a:rPr>
               <a:t>clone / pull</a:t>
             </a:r>
-            <a:endParaRPr lang="en-US" dirty="0" smtClean="0">
-              <a:latin typeface="Minya Nouvelle" pitchFamily="2" charset="0"/>
-            </a:endParaRPr>
           </a:p>
         </p:txBody>
       </p:sp>
@@ -9219,9 +9192,6 @@
               </a:rPr>
               <a:t>push</a:t>
             </a:r>
-            <a:endParaRPr lang="en-US" dirty="0" smtClean="0">
-              <a:latin typeface="Minya Nouvelle" pitchFamily="2" charset="0"/>
-            </a:endParaRPr>
           </a:p>
         </p:txBody>
       </p:sp>
@@ -9301,9 +9271,6 @@
               </a:rPr>
               <a:t>commit</a:t>
             </a:r>
-            <a:endParaRPr lang="en-US" dirty="0" smtClean="0">
-              <a:latin typeface="Minya Nouvelle" pitchFamily="2" charset="0"/>
-            </a:endParaRPr>
           </a:p>
         </p:txBody>
       </p:sp>
@@ -10119,13 +10086,6 @@
               </a:rPr>
               <a:t>navigation</a:t>
             </a:r>
-            <a:endParaRPr lang="en-US" b="1" dirty="0" smtClean="0">
-              <a:solidFill>
-                <a:srgbClr val="339933"/>
-              </a:solidFill>
-              <a:latin typeface="Courier New"/>
-              <a:cs typeface="Courier New"/>
-            </a:endParaRPr>
           </a:p>
         </p:txBody>
       </p:sp>
@@ -10214,10 +10174,6 @@
               </a:rPr>
               <a:t>-pages</a:t>
             </a:r>
-            <a:endParaRPr lang="en-US" b="1" dirty="0" smtClean="0">
-              <a:latin typeface="Courier New"/>
-              <a:cs typeface="Courier New"/>
-            </a:endParaRPr>
           </a:p>
         </p:txBody>
       </p:sp>
@@ -10287,10 +10243,6 @@
               </a:rPr>
               <a:t>ProjektskelettHT13@1ik415</a:t>
             </a:r>
-            <a:endParaRPr lang="en-US" b="1" dirty="0" smtClean="0">
-              <a:latin typeface="Courier New"/>
-              <a:cs typeface="Courier New"/>
-            </a:endParaRPr>
           </a:p>
         </p:txBody>
       </p:sp>
@@ -10322,9 +10274,6 @@
               </a:rPr>
               <a:t>fork</a:t>
             </a:r>
-            <a:endParaRPr lang="en-US" dirty="0" smtClean="0">
-              <a:latin typeface="Minya Nouvelle" pitchFamily="2" charset="0"/>
-            </a:endParaRPr>
           </a:p>
         </p:txBody>
       </p:sp>
